--- a/slides/Unit 2 - LC 101 - Class 7.pptx
+++ b/slides/Unit 2 - LC 101 - Class 7.pptx
@@ -5,7 +5,7 @@
     <p:sldMasterId id="2147483659" r:id="rId1"/>
   </p:sldMasterIdLst>
   <p:notesMasterIdLst>
-    <p:notesMasterId r:id="rId16"/>
+    <p:notesMasterId r:id="rId15"/>
   </p:notesMasterIdLst>
   <p:sldIdLst>
     <p:sldId id="265" r:id="rId2"/>
@@ -13,15 +13,14 @@
     <p:sldId id="267" r:id="rId4"/>
     <p:sldId id="268" r:id="rId5"/>
     <p:sldId id="256" r:id="rId6"/>
-    <p:sldId id="257" r:id="rId7"/>
-    <p:sldId id="258" r:id="rId8"/>
-    <p:sldId id="260" r:id="rId9"/>
-    <p:sldId id="261" r:id="rId10"/>
-    <p:sldId id="262" r:id="rId11"/>
-    <p:sldId id="263" r:id="rId12"/>
-    <p:sldId id="264" r:id="rId13"/>
-    <p:sldId id="269" r:id="rId14"/>
-    <p:sldId id="270" r:id="rId15"/>
+    <p:sldId id="258" r:id="rId7"/>
+    <p:sldId id="260" r:id="rId8"/>
+    <p:sldId id="261" r:id="rId9"/>
+    <p:sldId id="262" r:id="rId10"/>
+    <p:sldId id="263" r:id="rId11"/>
+    <p:sldId id="264" r:id="rId12"/>
+    <p:sldId id="269" r:id="rId13"/>
+    <p:sldId id="270" r:id="rId14"/>
   </p:sldIdLst>
   <p:sldSz cx="9144000" cy="5143500" type="screen16x9"/>
   <p:notesSz cx="6858000" cy="9144000"/>
@@ -254,6 +253,11 @@
       </a:defRPr>
     </a:lvl9pPr>
   </p:defaultTextStyle>
+  <p:extLst>
+    <p:ext uri="{EFAFB233-063F-42B5-8137-9DF3F51BA10A}">
+      <p15:sldGuideLst xmlns:p15="http://schemas.microsoft.com/office/powerpoint/2012/main"/>
+    </p:ext>
+  </p:extLst>
 </p:presentation>
 </file>
 
@@ -770,110 +774,6 @@
   <p:cSld>
     <p:spTree>
       <p:nvGrpSpPr>
-        <p:cNvPr id="1" name="Shape 93"/>
-        <p:cNvGrpSpPr/>
-        <p:nvPr/>
-      </p:nvGrpSpPr>
-      <p:grpSpPr>
-        <a:xfrm>
-          <a:off x="0" y="0"/>
-          <a:ext cx="0" cy="0"/>
-          <a:chOff x="0" y="0"/>
-          <a:chExt cx="0" cy="0"/>
-        </a:xfrm>
-      </p:grpSpPr>
-      <p:sp>
-        <p:nvSpPr>
-          <p:cNvPr id="94" name="Shape 94"/>
-          <p:cNvSpPr>
-            <a:spLocks noGrp="1" noRot="1" noChangeAspect="1"/>
-          </p:cNvSpPr>
-          <p:nvPr>
-            <p:ph type="sldImg" idx="2"/>
-          </p:nvPr>
-        </p:nvSpPr>
-        <p:spPr>
-          <a:xfrm>
-            <a:off x="381000" y="685800"/>
-            <a:ext cx="6096000" cy="3429000"/>
-          </a:xfrm>
-          <a:custGeom>
-            <a:avLst/>
-            <a:gdLst/>
-            <a:ahLst/>
-            <a:cxnLst/>
-            <a:rect l="0" t="0" r="0" b="0"/>
-            <a:pathLst>
-              <a:path w="120000" h="120000" extrusionOk="0">
-                <a:moveTo>
-                  <a:pt x="0" y="0"/>
-                </a:moveTo>
-                <a:lnTo>
-                  <a:pt x="120000" y="0"/>
-                </a:lnTo>
-                <a:lnTo>
-                  <a:pt x="120000" y="120000"/>
-                </a:lnTo>
-                <a:lnTo>
-                  <a:pt x="0" y="120000"/>
-                </a:lnTo>
-                <a:close/>
-              </a:path>
-            </a:pathLst>
-          </a:custGeom>
-        </p:spPr>
-      </p:sp>
-      <p:sp>
-        <p:nvSpPr>
-          <p:cNvPr id="95" name="Shape 95"/>
-          <p:cNvSpPr txBox="1">
-            <a:spLocks noGrp="1"/>
-          </p:cNvSpPr>
-          <p:nvPr>
-            <p:ph type="body" idx="1"/>
-          </p:nvPr>
-        </p:nvSpPr>
-        <p:spPr>
-          <a:xfrm>
-            <a:off x="685800" y="4343400"/>
-            <a:ext cx="5486400" cy="4114800"/>
-          </a:xfrm>
-          <a:prstGeom prst="rect">
-            <a:avLst/>
-          </a:prstGeom>
-        </p:spPr>
-        <p:txBody>
-          <a:bodyPr spcFirstLastPara="1" wrap="square" lIns="91425" tIns="91425" rIns="91425" bIns="91425" anchor="t" anchorCtr="0">
-            <a:noAutofit/>
-          </a:bodyPr>
-          <a:lstStyle/>
-          <a:p>
-            <a:pPr marL="0" lvl="0" indent="0" rtl="0">
-              <a:spcBef>
-                <a:spcPts val="0"/>
-              </a:spcBef>
-              <a:spcAft>
-                <a:spcPts val="0"/>
-              </a:spcAft>
-              <a:buNone/>
-            </a:pPr>
-            <a:endParaRPr/>
-          </a:p>
-        </p:txBody>
-      </p:sp>
-    </p:spTree>
-  </p:cSld>
-  <p:clrMapOvr>
-    <a:masterClrMapping/>
-  </p:clrMapOvr>
-</p:notes>
-</file>
-
-<file path=ppt/notesSlides/notesSlide11.xml><?xml version="1.0" encoding="utf-8"?>
-<p:notes xmlns:a="http://schemas.openxmlformats.org/drawingml/2006/main" xmlns:r="http://schemas.openxmlformats.org/officeDocument/2006/relationships" xmlns:p="http://schemas.openxmlformats.org/presentationml/2006/main" showMasterSp="0" showMasterPhAnim="0">
-  <p:cSld>
-    <p:spTree>
-      <p:nvGrpSpPr>
         <p:cNvPr id="1" name="Shape 99"/>
         <p:cNvGrpSpPr/>
         <p:nvPr/>
@@ -973,7 +873,7 @@
 </p:notes>
 </file>
 
-<file path=ppt/notesSlides/notesSlide12.xml><?xml version="1.0" encoding="utf-8"?>
+<file path=ppt/notesSlides/notesSlide11.xml><?xml version="1.0" encoding="utf-8"?>
 <p:notes xmlns:a="http://schemas.openxmlformats.org/drawingml/2006/main" xmlns:r="http://schemas.openxmlformats.org/officeDocument/2006/relationships" xmlns:p="http://schemas.openxmlformats.org/presentationml/2006/main">
   <p:cSld>
     <p:spTree>
@@ -1034,7 +934,7 @@
 </p:notes>
 </file>
 
-<file path=ppt/notesSlides/notesSlide13.xml><?xml version="1.0" encoding="utf-8"?>
+<file path=ppt/notesSlides/notesSlide12.xml><?xml version="1.0" encoding="utf-8"?>
 <p:notes xmlns:a="http://schemas.openxmlformats.org/drawingml/2006/main" xmlns:r="http://schemas.openxmlformats.org/officeDocument/2006/relationships" xmlns:p="http://schemas.openxmlformats.org/presentationml/2006/main">
   <p:cSld>
     <p:spTree>
@@ -1433,110 +1333,6 @@
   <p:cSld>
     <p:spTree>
       <p:nvGrpSpPr>
-        <p:cNvPr id="1" name="Shape 57"/>
-        <p:cNvGrpSpPr/>
-        <p:nvPr/>
-      </p:nvGrpSpPr>
-      <p:grpSpPr>
-        <a:xfrm>
-          <a:off x="0" y="0"/>
-          <a:ext cx="0" cy="0"/>
-          <a:chOff x="0" y="0"/>
-          <a:chExt cx="0" cy="0"/>
-        </a:xfrm>
-      </p:grpSpPr>
-      <p:sp>
-        <p:nvSpPr>
-          <p:cNvPr id="58" name="Shape 58"/>
-          <p:cNvSpPr>
-            <a:spLocks noGrp="1" noRot="1" noChangeAspect="1"/>
-          </p:cNvSpPr>
-          <p:nvPr>
-            <p:ph type="sldImg" idx="2"/>
-          </p:nvPr>
-        </p:nvSpPr>
-        <p:spPr>
-          <a:xfrm>
-            <a:off x="381000" y="685800"/>
-            <a:ext cx="6096000" cy="3429000"/>
-          </a:xfrm>
-          <a:custGeom>
-            <a:avLst/>
-            <a:gdLst/>
-            <a:ahLst/>
-            <a:cxnLst/>
-            <a:rect l="0" t="0" r="0" b="0"/>
-            <a:pathLst>
-              <a:path w="120000" h="120000" extrusionOk="0">
-                <a:moveTo>
-                  <a:pt x="0" y="0"/>
-                </a:moveTo>
-                <a:lnTo>
-                  <a:pt x="120000" y="0"/>
-                </a:lnTo>
-                <a:lnTo>
-                  <a:pt x="120000" y="120000"/>
-                </a:lnTo>
-                <a:lnTo>
-                  <a:pt x="0" y="120000"/>
-                </a:lnTo>
-                <a:close/>
-              </a:path>
-            </a:pathLst>
-          </a:custGeom>
-        </p:spPr>
-      </p:sp>
-      <p:sp>
-        <p:nvSpPr>
-          <p:cNvPr id="59" name="Shape 59"/>
-          <p:cNvSpPr txBox="1">
-            <a:spLocks noGrp="1"/>
-          </p:cNvSpPr>
-          <p:nvPr>
-            <p:ph type="body" idx="1"/>
-          </p:nvPr>
-        </p:nvSpPr>
-        <p:spPr>
-          <a:xfrm>
-            <a:off x="685800" y="4343400"/>
-            <a:ext cx="5486400" cy="4114800"/>
-          </a:xfrm>
-          <a:prstGeom prst="rect">
-            <a:avLst/>
-          </a:prstGeom>
-        </p:spPr>
-        <p:txBody>
-          <a:bodyPr spcFirstLastPara="1" wrap="square" lIns="91425" tIns="91425" rIns="91425" bIns="91425" anchor="t" anchorCtr="0">
-            <a:noAutofit/>
-          </a:bodyPr>
-          <a:lstStyle/>
-          <a:p>
-            <a:pPr marL="0" lvl="0" indent="0" rtl="0">
-              <a:spcBef>
-                <a:spcPts val="0"/>
-              </a:spcBef>
-              <a:spcAft>
-                <a:spcPts val="0"/>
-              </a:spcAft>
-              <a:buNone/>
-            </a:pPr>
-            <a:endParaRPr/>
-          </a:p>
-        </p:txBody>
-      </p:sp>
-    </p:spTree>
-  </p:cSld>
-  <p:clrMapOvr>
-    <a:masterClrMapping/>
-  </p:clrMapOvr>
-</p:notes>
-</file>
-
-<file path=ppt/notesSlides/notesSlide6.xml><?xml version="1.0" encoding="utf-8"?>
-<p:notes xmlns:a="http://schemas.openxmlformats.org/drawingml/2006/main" xmlns:r="http://schemas.openxmlformats.org/officeDocument/2006/relationships" xmlns:p="http://schemas.openxmlformats.org/presentationml/2006/main" showMasterSp="0" showMasterPhAnim="0">
-  <p:cSld>
-    <p:spTree>
-      <p:nvGrpSpPr>
         <p:cNvPr id="1" name="Shape 63"/>
         <p:cNvGrpSpPr/>
         <p:nvPr/>
@@ -1636,7 +1432,7 @@
 </p:notes>
 </file>
 
-<file path=ppt/notesSlides/notesSlide7.xml><?xml version="1.0" encoding="utf-8"?>
+<file path=ppt/notesSlides/notesSlide6.xml><?xml version="1.0" encoding="utf-8"?>
 <p:notes xmlns:a="http://schemas.openxmlformats.org/drawingml/2006/main" xmlns:r="http://schemas.openxmlformats.org/officeDocument/2006/relationships" xmlns:p="http://schemas.openxmlformats.org/presentationml/2006/main" showMasterSp="0" showMasterPhAnim="0">
   <p:cSld>
     <p:spTree>
@@ -1740,7 +1536,7 @@
 </p:notes>
 </file>
 
-<file path=ppt/notesSlides/notesSlide8.xml><?xml version="1.0" encoding="utf-8"?>
+<file path=ppt/notesSlides/notesSlide7.xml><?xml version="1.0" encoding="utf-8"?>
 <p:notes xmlns:a="http://schemas.openxmlformats.org/drawingml/2006/main" xmlns:r="http://schemas.openxmlformats.org/officeDocument/2006/relationships" xmlns:p="http://schemas.openxmlformats.org/presentationml/2006/main" showMasterSp="0" showMasterPhAnim="0">
   <p:cSld>
     <p:spTree>
@@ -1844,7 +1640,7 @@
 </p:notes>
 </file>
 
-<file path=ppt/notesSlides/notesSlide9.xml><?xml version="1.0" encoding="utf-8"?>
+<file path=ppt/notesSlides/notesSlide8.xml><?xml version="1.0" encoding="utf-8"?>
 <p:notes xmlns:a="http://schemas.openxmlformats.org/drawingml/2006/main" xmlns:r="http://schemas.openxmlformats.org/officeDocument/2006/relationships" xmlns:p="http://schemas.openxmlformats.org/presentationml/2006/main" showMasterSp="0" showMasterPhAnim="0">
   <p:cSld>
     <p:spTree>
@@ -1905,6 +1701,110 @@
       <p:sp>
         <p:nvSpPr>
           <p:cNvPr id="89" name="Shape 89"/>
+          <p:cNvSpPr txBox="1">
+            <a:spLocks noGrp="1"/>
+          </p:cNvSpPr>
+          <p:nvPr>
+            <p:ph type="body" idx="1"/>
+          </p:nvPr>
+        </p:nvSpPr>
+        <p:spPr>
+          <a:xfrm>
+            <a:off x="685800" y="4343400"/>
+            <a:ext cx="5486400" cy="4114800"/>
+          </a:xfrm>
+          <a:prstGeom prst="rect">
+            <a:avLst/>
+          </a:prstGeom>
+        </p:spPr>
+        <p:txBody>
+          <a:bodyPr spcFirstLastPara="1" wrap="square" lIns="91425" tIns="91425" rIns="91425" bIns="91425" anchor="t" anchorCtr="0">
+            <a:noAutofit/>
+          </a:bodyPr>
+          <a:lstStyle/>
+          <a:p>
+            <a:pPr marL="0" lvl="0" indent="0" rtl="0">
+              <a:spcBef>
+                <a:spcPts val="0"/>
+              </a:spcBef>
+              <a:spcAft>
+                <a:spcPts val="0"/>
+              </a:spcAft>
+              <a:buNone/>
+            </a:pPr>
+            <a:endParaRPr/>
+          </a:p>
+        </p:txBody>
+      </p:sp>
+    </p:spTree>
+  </p:cSld>
+  <p:clrMapOvr>
+    <a:masterClrMapping/>
+  </p:clrMapOvr>
+</p:notes>
+</file>
+
+<file path=ppt/notesSlides/notesSlide9.xml><?xml version="1.0" encoding="utf-8"?>
+<p:notes xmlns:a="http://schemas.openxmlformats.org/drawingml/2006/main" xmlns:r="http://schemas.openxmlformats.org/officeDocument/2006/relationships" xmlns:p="http://schemas.openxmlformats.org/presentationml/2006/main" showMasterSp="0" showMasterPhAnim="0">
+  <p:cSld>
+    <p:spTree>
+      <p:nvGrpSpPr>
+        <p:cNvPr id="1" name="Shape 93"/>
+        <p:cNvGrpSpPr/>
+        <p:nvPr/>
+      </p:nvGrpSpPr>
+      <p:grpSpPr>
+        <a:xfrm>
+          <a:off x="0" y="0"/>
+          <a:ext cx="0" cy="0"/>
+          <a:chOff x="0" y="0"/>
+          <a:chExt cx="0" cy="0"/>
+        </a:xfrm>
+      </p:grpSpPr>
+      <p:sp>
+        <p:nvSpPr>
+          <p:cNvPr id="94" name="Shape 94"/>
+          <p:cNvSpPr>
+            <a:spLocks noGrp="1" noRot="1" noChangeAspect="1"/>
+          </p:cNvSpPr>
+          <p:nvPr>
+            <p:ph type="sldImg" idx="2"/>
+          </p:nvPr>
+        </p:nvSpPr>
+        <p:spPr>
+          <a:xfrm>
+            <a:off x="381000" y="685800"/>
+            <a:ext cx="6096000" cy="3429000"/>
+          </a:xfrm>
+          <a:custGeom>
+            <a:avLst/>
+            <a:gdLst/>
+            <a:ahLst/>
+            <a:cxnLst/>
+            <a:rect l="0" t="0" r="0" b="0"/>
+            <a:pathLst>
+              <a:path w="120000" h="120000" extrusionOk="0">
+                <a:moveTo>
+                  <a:pt x="0" y="0"/>
+                </a:moveTo>
+                <a:lnTo>
+                  <a:pt x="120000" y="0"/>
+                </a:lnTo>
+                <a:lnTo>
+                  <a:pt x="120000" y="120000"/>
+                </a:lnTo>
+                <a:lnTo>
+                  <a:pt x="0" y="120000"/>
+                </a:lnTo>
+                <a:close/>
+              </a:path>
+            </a:pathLst>
+          </a:custGeom>
+        </p:spPr>
+      </p:sp>
+      <p:sp>
+        <p:nvSpPr>
+          <p:cNvPr id="95" name="Shape 95"/>
           <p:cNvSpPr txBox="1">
             <a:spLocks noGrp="1"/>
           </p:cNvSpPr>
@@ -6778,498 +6678,6 @@
   <p:cSld>
     <p:spTree>
       <p:nvGrpSpPr>
-        <p:cNvPr id="1" name="Shape 90"/>
-        <p:cNvGrpSpPr/>
-        <p:nvPr/>
-      </p:nvGrpSpPr>
-      <p:grpSpPr>
-        <a:xfrm>
-          <a:off x="0" y="0"/>
-          <a:ext cx="0" cy="0"/>
-          <a:chOff x="0" y="0"/>
-          <a:chExt cx="0" cy="0"/>
-        </a:xfrm>
-      </p:grpSpPr>
-      <p:sp>
-        <p:nvSpPr>
-          <p:cNvPr id="91" name="Shape 91"/>
-          <p:cNvSpPr txBox="1">
-            <a:spLocks noGrp="1"/>
-          </p:cNvSpPr>
-          <p:nvPr>
-            <p:ph type="title"/>
-          </p:nvPr>
-        </p:nvSpPr>
-        <p:spPr>
-          <a:xfrm>
-            <a:off x="62275" y="-124550"/>
-            <a:ext cx="8769900" cy="524700"/>
-          </a:xfrm>
-          <a:prstGeom prst="rect">
-            <a:avLst/>
-          </a:prstGeom>
-        </p:spPr>
-        <p:txBody>
-          <a:bodyPr spcFirstLastPara="1" wrap="square" lIns="91425" tIns="91425" rIns="91425" bIns="91425" anchor="t" anchorCtr="0">
-            <a:noAutofit/>
-          </a:bodyPr>
-          <a:lstStyle/>
-          <a:p>
-            <a:pPr marL="0" lvl="0" indent="0" rtl="0">
-              <a:spcBef>
-                <a:spcPts val="0"/>
-              </a:spcBef>
-              <a:spcAft>
-                <a:spcPts val="0"/>
-              </a:spcAft>
-              <a:buNone/>
-            </a:pPr>
-            <a:r>
-              <a:rPr lang="en" sz="4000"/>
-              <a:t>What is relating to each other?</a:t>
-            </a:r>
-            <a:endParaRPr sz="4000"/>
-          </a:p>
-        </p:txBody>
-      </p:sp>
-      <p:sp>
-        <p:nvSpPr>
-          <p:cNvPr id="92" name="Shape 92"/>
-          <p:cNvSpPr txBox="1"/>
-          <p:nvPr/>
-        </p:nvSpPr>
-        <p:spPr>
-          <a:xfrm>
-            <a:off x="418050" y="658225"/>
-            <a:ext cx="8619300" cy="4349700"/>
-          </a:xfrm>
-          <a:prstGeom prst="rect">
-            <a:avLst/>
-          </a:prstGeom>
-          <a:noFill/>
-          <a:ln>
-            <a:noFill/>
-          </a:ln>
-        </p:spPr>
-        <p:txBody>
-          <a:bodyPr spcFirstLastPara="1" wrap="square" lIns="91425" tIns="91425" rIns="91425" bIns="91425" anchor="t" anchorCtr="0">
-            <a:noAutofit/>
-          </a:bodyPr>
-          <a:lstStyle/>
-          <a:p>
-            <a:pPr marL="457200" marR="0" lvl="0" indent="-381000" algn="l" rtl="0">
-              <a:lnSpc>
-                <a:spcPct val="115000"/>
-              </a:lnSpc>
-              <a:spcBef>
-                <a:spcPts val="1000"/>
-              </a:spcBef>
-              <a:spcAft>
-                <a:spcPts val="0"/>
-              </a:spcAft>
-              <a:buClr>
-                <a:srgbClr val="FFFFFF"/>
-              </a:buClr>
-              <a:buSzPts val="2400"/>
-              <a:buFont typeface="Arial"/>
-              <a:buChar char="●"/>
-            </a:pPr>
-            <a:r>
-              <a:rPr lang="en" sz="2400">
-                <a:solidFill>
-                  <a:srgbClr val="FFFFFF"/>
-                </a:solidFill>
-              </a:rPr>
-              <a:t>Tables</a:t>
-            </a:r>
-            <a:endParaRPr sz="2400">
-              <a:solidFill>
-                <a:srgbClr val="FFFFFF"/>
-              </a:solidFill>
-            </a:endParaRPr>
-          </a:p>
-          <a:p>
-            <a:pPr marL="914400" marR="0" lvl="1" indent="-381000" algn="l" rtl="0">
-              <a:lnSpc>
-                <a:spcPct val="115000"/>
-              </a:lnSpc>
-              <a:spcBef>
-                <a:spcPts val="1000"/>
-              </a:spcBef>
-              <a:spcAft>
-                <a:spcPts val="0"/>
-              </a:spcAft>
-              <a:buClr>
-                <a:srgbClr val="FFFFFF"/>
-              </a:buClr>
-              <a:buSzPts val="2400"/>
-              <a:buChar char="○"/>
-            </a:pPr>
-            <a:r>
-              <a:rPr lang="en" sz="2400">
-                <a:solidFill>
-                  <a:srgbClr val="FFFFFF"/>
-                </a:solidFill>
-              </a:rPr>
-              <a:t>Have columns</a:t>
-            </a:r>
-            <a:endParaRPr sz="2400">
-              <a:solidFill>
-                <a:srgbClr val="FFFFFF"/>
-              </a:solidFill>
-            </a:endParaRPr>
-          </a:p>
-          <a:p>
-            <a:pPr marL="914400" marR="0" lvl="1" indent="-381000" algn="l" rtl="0">
-              <a:lnSpc>
-                <a:spcPct val="115000"/>
-              </a:lnSpc>
-              <a:spcBef>
-                <a:spcPts val="1000"/>
-              </a:spcBef>
-              <a:spcAft>
-                <a:spcPts val="0"/>
-              </a:spcAft>
-              <a:buClr>
-                <a:srgbClr val="FFFFFF"/>
-              </a:buClr>
-              <a:buSzPts val="2400"/>
-              <a:buChar char="○"/>
-            </a:pPr>
-            <a:r>
-              <a:rPr lang="en" sz="2400">
-                <a:solidFill>
-                  <a:srgbClr val="FFFFFF"/>
-                </a:solidFill>
-              </a:rPr>
-              <a:t>Row for each entry into the table</a:t>
-            </a:r>
-            <a:endParaRPr sz="2400">
-              <a:solidFill>
-                <a:srgbClr val="FFFFFF"/>
-              </a:solidFill>
-            </a:endParaRPr>
-          </a:p>
-          <a:p>
-            <a:pPr marL="914400" marR="0" lvl="1" indent="-381000" algn="l" rtl="0">
-              <a:lnSpc>
-                <a:spcPct val="115000"/>
-              </a:lnSpc>
-              <a:spcBef>
-                <a:spcPts val="1000"/>
-              </a:spcBef>
-              <a:spcAft>
-                <a:spcPts val="0"/>
-              </a:spcAft>
-              <a:buClr>
-                <a:srgbClr val="FFFFFF"/>
-              </a:buClr>
-              <a:buSzPts val="2400"/>
-              <a:buChar char="○"/>
-            </a:pPr>
-            <a:r>
-              <a:rPr lang="en" sz="2400">
-                <a:solidFill>
-                  <a:srgbClr val="FFFFFF"/>
-                </a:solidFill>
-              </a:rPr>
-              <a:t>Think of them as spread sheets</a:t>
-            </a:r>
-            <a:endParaRPr sz="2400">
-              <a:solidFill>
-                <a:srgbClr val="FFFFFF"/>
-              </a:solidFill>
-            </a:endParaRPr>
-          </a:p>
-        </p:txBody>
-      </p:sp>
-    </p:spTree>
-  </p:cSld>
-  <p:clrMapOvr>
-    <a:masterClrMapping/>
-  </p:clrMapOvr>
-  <p:timing>
-    <p:tnLst>
-      <p:par>
-        <p:cTn id="1" dur="indefinite" restart="never" nodeType="tmRoot">
-          <p:childTnLst>
-            <p:seq concurrent="1" nextAc="seek">
-              <p:cTn id="2" dur="indefinite" nodeType="mainSeq">
-                <p:childTnLst>
-                  <p:par>
-                    <p:cTn id="3" fill="hold">
-                      <p:stCondLst>
-                        <p:cond delay="indefinite"/>
-                      </p:stCondLst>
-                      <p:childTnLst>
-                        <p:par>
-                          <p:cTn id="4" fill="hold">
-                            <p:stCondLst>
-                              <p:cond delay="0"/>
-                            </p:stCondLst>
-                            <p:childTnLst>
-                              <p:par>
-                                <p:cTn id="5" presetID="10" presetClass="entr" presetSubtype="0" fill="hold" nodeType="clickEffect">
-                                  <p:stCondLst>
-                                    <p:cond delay="0"/>
-                                  </p:stCondLst>
-                                  <p:childTnLst>
-                                    <p:set>
-                                      <p:cBhvr>
-                                        <p:cTn id="6" dur="1" fill="hold">
-                                          <p:stCondLst>
-                                            <p:cond delay="0"/>
-                                          </p:stCondLst>
-                                        </p:cTn>
-                                        <p:tgtEl>
-                                          <p:spTgt spid="92">
-                                            <p:txEl>
-                                              <p:pRg st="0" end="0"/>
-                                            </p:txEl>
-                                          </p:spTgt>
-                                        </p:tgtEl>
-                                        <p:attrNameLst>
-                                          <p:attrName>style.visibility</p:attrName>
-                                        </p:attrNameLst>
-                                      </p:cBhvr>
-                                      <p:to>
-                                        <p:strVal val="visible"/>
-                                      </p:to>
-                                    </p:set>
-                                    <p:animEffect transition="in" filter="fade">
-                                      <p:cBhvr>
-                                        <p:cTn id="7" dur="1000"/>
-                                        <p:tgtEl>
-                                          <p:spTgt spid="92">
-                                            <p:txEl>
-                                              <p:pRg st="0" end="0"/>
-                                            </p:txEl>
-                                          </p:spTgt>
-                                        </p:tgtEl>
-                                      </p:cBhvr>
-                                    </p:animEffect>
-                                  </p:childTnLst>
-                                </p:cTn>
-                              </p:par>
-                            </p:childTnLst>
-                          </p:cTn>
-                        </p:par>
-                      </p:childTnLst>
-                    </p:cTn>
-                  </p:par>
-                  <p:par>
-                    <p:cTn id="8" fill="hold">
-                      <p:stCondLst>
-                        <p:cond delay="indefinite"/>
-                      </p:stCondLst>
-                      <p:childTnLst>
-                        <p:par>
-                          <p:cTn id="9" fill="hold">
-                            <p:stCondLst>
-                              <p:cond delay="0"/>
-                            </p:stCondLst>
-                            <p:childTnLst>
-                              <p:par>
-                                <p:cTn id="10" presetID="10" presetClass="entr" presetSubtype="0" fill="hold" nodeType="clickEffect">
-                                  <p:stCondLst>
-                                    <p:cond delay="0"/>
-                                  </p:stCondLst>
-                                  <p:childTnLst>
-                                    <p:set>
-                                      <p:cBhvr>
-                                        <p:cTn id="11" dur="1" fill="hold">
-                                          <p:stCondLst>
-                                            <p:cond delay="0"/>
-                                          </p:stCondLst>
-                                        </p:cTn>
-                                        <p:tgtEl>
-                                          <p:spTgt spid="92">
-                                            <p:txEl>
-                                              <p:pRg st="1" end="1"/>
-                                            </p:txEl>
-                                          </p:spTgt>
-                                        </p:tgtEl>
-                                        <p:attrNameLst>
-                                          <p:attrName>style.visibility</p:attrName>
-                                        </p:attrNameLst>
-                                      </p:cBhvr>
-                                      <p:to>
-                                        <p:strVal val="visible"/>
-                                      </p:to>
-                                    </p:set>
-                                    <p:animEffect transition="in" filter="fade">
-                                      <p:cBhvr>
-                                        <p:cTn id="12" dur="1000"/>
-                                        <p:tgtEl>
-                                          <p:spTgt spid="92">
-                                            <p:txEl>
-                                              <p:pRg st="1" end="1"/>
-                                            </p:txEl>
-                                          </p:spTgt>
-                                        </p:tgtEl>
-                                      </p:cBhvr>
-                                    </p:animEffect>
-                                  </p:childTnLst>
-                                </p:cTn>
-                              </p:par>
-                            </p:childTnLst>
-                          </p:cTn>
-                        </p:par>
-                      </p:childTnLst>
-                    </p:cTn>
-                  </p:par>
-                  <p:par>
-                    <p:cTn id="13" fill="hold">
-                      <p:stCondLst>
-                        <p:cond delay="indefinite"/>
-                      </p:stCondLst>
-                      <p:childTnLst>
-                        <p:par>
-                          <p:cTn id="14" fill="hold">
-                            <p:stCondLst>
-                              <p:cond delay="0"/>
-                            </p:stCondLst>
-                            <p:childTnLst>
-                              <p:par>
-                                <p:cTn id="15" presetID="10" presetClass="entr" presetSubtype="0" fill="hold" nodeType="clickEffect">
-                                  <p:stCondLst>
-                                    <p:cond delay="0"/>
-                                  </p:stCondLst>
-                                  <p:childTnLst>
-                                    <p:set>
-                                      <p:cBhvr>
-                                        <p:cTn id="16" dur="1" fill="hold">
-                                          <p:stCondLst>
-                                            <p:cond delay="0"/>
-                                          </p:stCondLst>
-                                        </p:cTn>
-                                        <p:tgtEl>
-                                          <p:spTgt spid="92">
-                                            <p:txEl>
-                                              <p:pRg st="2" end="2"/>
-                                            </p:txEl>
-                                          </p:spTgt>
-                                        </p:tgtEl>
-                                        <p:attrNameLst>
-                                          <p:attrName>style.visibility</p:attrName>
-                                        </p:attrNameLst>
-                                      </p:cBhvr>
-                                      <p:to>
-                                        <p:strVal val="visible"/>
-                                      </p:to>
-                                    </p:set>
-                                    <p:animEffect transition="in" filter="fade">
-                                      <p:cBhvr>
-                                        <p:cTn id="17" dur="1000"/>
-                                        <p:tgtEl>
-                                          <p:spTgt spid="92">
-                                            <p:txEl>
-                                              <p:pRg st="2" end="2"/>
-                                            </p:txEl>
-                                          </p:spTgt>
-                                        </p:tgtEl>
-                                      </p:cBhvr>
-                                    </p:animEffect>
-                                  </p:childTnLst>
-                                </p:cTn>
-                              </p:par>
-                            </p:childTnLst>
-                          </p:cTn>
-                        </p:par>
-                      </p:childTnLst>
-                    </p:cTn>
-                  </p:par>
-                  <p:par>
-                    <p:cTn id="18" fill="hold">
-                      <p:stCondLst>
-                        <p:cond delay="indefinite"/>
-                      </p:stCondLst>
-                      <p:childTnLst>
-                        <p:par>
-                          <p:cTn id="19" fill="hold">
-                            <p:stCondLst>
-                              <p:cond delay="0"/>
-                            </p:stCondLst>
-                            <p:childTnLst>
-                              <p:par>
-                                <p:cTn id="20" presetID="10" presetClass="entr" presetSubtype="0" fill="hold" nodeType="clickEffect">
-                                  <p:stCondLst>
-                                    <p:cond delay="0"/>
-                                  </p:stCondLst>
-                                  <p:childTnLst>
-                                    <p:set>
-                                      <p:cBhvr>
-                                        <p:cTn id="21" dur="1" fill="hold">
-                                          <p:stCondLst>
-                                            <p:cond delay="0"/>
-                                          </p:stCondLst>
-                                        </p:cTn>
-                                        <p:tgtEl>
-                                          <p:spTgt spid="92">
-                                            <p:txEl>
-                                              <p:pRg st="3" end="3"/>
-                                            </p:txEl>
-                                          </p:spTgt>
-                                        </p:tgtEl>
-                                        <p:attrNameLst>
-                                          <p:attrName>style.visibility</p:attrName>
-                                        </p:attrNameLst>
-                                      </p:cBhvr>
-                                      <p:to>
-                                        <p:strVal val="visible"/>
-                                      </p:to>
-                                    </p:set>
-                                    <p:animEffect transition="in" filter="fade">
-                                      <p:cBhvr>
-                                        <p:cTn id="22" dur="1000"/>
-                                        <p:tgtEl>
-                                          <p:spTgt spid="92">
-                                            <p:txEl>
-                                              <p:pRg st="3" end="3"/>
-                                            </p:txEl>
-                                          </p:spTgt>
-                                        </p:tgtEl>
-                                      </p:cBhvr>
-                                    </p:animEffect>
-                                  </p:childTnLst>
-                                </p:cTn>
-                              </p:par>
-                            </p:childTnLst>
-                          </p:cTn>
-                        </p:par>
-                      </p:childTnLst>
-                    </p:cTn>
-                  </p:par>
-                </p:childTnLst>
-              </p:cTn>
-              <p:prevCondLst>
-                <p:cond evt="onPrev" delay="0">
-                  <p:tgtEl>
-                    <p:sldTgt/>
-                  </p:tgtEl>
-                </p:cond>
-              </p:prevCondLst>
-              <p:nextCondLst>
-                <p:cond evt="onNext" delay="0">
-                  <p:tgtEl>
-                    <p:sldTgt/>
-                  </p:tgtEl>
-                </p:cond>
-              </p:nextCondLst>
-            </p:seq>
-          </p:childTnLst>
-        </p:cTn>
-      </p:par>
-    </p:tnLst>
-  </p:timing>
-</p:sld>
-</file>
-
-<file path=ppt/slides/slide11.xml><?xml version="1.0" encoding="utf-8"?>
-<p:sld xmlns:a="http://schemas.openxmlformats.org/drawingml/2006/main" xmlns:r="http://schemas.openxmlformats.org/officeDocument/2006/relationships" xmlns:p="http://schemas.openxmlformats.org/presentationml/2006/main">
-  <p:cSld>
-    <p:spTree>
-      <p:nvGrpSpPr>
         <p:cNvPr id="1" name="Shape 96"/>
         <p:cNvGrpSpPr/>
         <p:nvPr/>
@@ -7664,7 +7072,7 @@
 </p:sld>
 </file>
 
-<file path=ppt/slides/slide12.xml><?xml version="1.0" encoding="utf-8"?>
+<file path=ppt/slides/slide11.xml><?xml version="1.0" encoding="utf-8"?>
 <p:sld xmlns:a="http://schemas.openxmlformats.org/drawingml/2006/main" xmlns:r="http://schemas.openxmlformats.org/officeDocument/2006/relationships" xmlns:p="http://schemas.openxmlformats.org/presentationml/2006/main">
   <p:cSld>
     <p:spTree>
@@ -8339,7 +7747,7 @@
 </p:sld>
 </file>
 
-<file path=ppt/slides/slide13.xml><?xml version="1.0" encoding="utf-8"?>
+<file path=ppt/slides/slide12.xml><?xml version="1.0" encoding="utf-8"?>
 <p:sld xmlns:a="http://schemas.openxmlformats.org/drawingml/2006/main" xmlns:r="http://schemas.openxmlformats.org/officeDocument/2006/relationships" xmlns:p="http://schemas.openxmlformats.org/presentationml/2006/main">
   <p:cSld>
     <p:spTree>
@@ -8397,7 +7805,7 @@
 </p:sld>
 </file>
 
-<file path=ppt/slides/slide14.xml><?xml version="1.0" encoding="utf-8"?>
+<file path=ppt/slides/slide13.xml><?xml version="1.0" encoding="utf-8"?>
 <p:sld xmlns:a="http://schemas.openxmlformats.org/drawingml/2006/main" xmlns:r="http://schemas.openxmlformats.org/officeDocument/2006/relationships" xmlns:p="http://schemas.openxmlformats.org/presentationml/2006/main">
   <p:cSld>
     <p:spTree>
@@ -8437,7 +7845,15 @@
           <a:p>
             <a:r>
               <a:rPr lang="en-US" dirty="0"/>
-              <a:t>Studio Walkthrough</a:t>
+              <a:t>Studio Walkthrough(</a:t>
+            </a:r>
+            <a:r>
+              <a:rPr lang="en-US" dirty="0" err="1"/>
+              <a:t>ish</a:t>
+            </a:r>
+            <a:r>
+              <a:rPr lang="en-US" dirty="0"/>
+              <a:t>?)</a:t>
             </a:r>
           </a:p>
         </p:txBody>
@@ -8645,6 +8061,52 @@
               </a:rPr>
               <a:t>Q&amp;A</a:t>
             </a:r>
+          </a:p>
+          <a:p>
+            <a:pPr marL="457200" marR="0" lvl="0" indent="-381000" algn="l" rtl="0">
+              <a:lnSpc>
+                <a:spcPct val="115000"/>
+              </a:lnSpc>
+              <a:spcBef>
+                <a:spcPts val="0"/>
+              </a:spcBef>
+              <a:spcAft>
+                <a:spcPts val="0"/>
+              </a:spcAft>
+              <a:buClr>
+                <a:srgbClr val="FFFFFF"/>
+              </a:buClr>
+              <a:buSzPts val="2400"/>
+              <a:buFont typeface="Arial"/>
+              <a:buChar char="●"/>
+            </a:pPr>
+            <a:endParaRPr lang="en-US" sz="2400" dirty="0">
+              <a:solidFill>
+                <a:srgbClr val="FFFFFF"/>
+              </a:solidFill>
+            </a:endParaRPr>
+          </a:p>
+          <a:p>
+            <a:pPr marL="76200" marR="0" lvl="0" algn="l" rtl="0">
+              <a:lnSpc>
+                <a:spcPct val="115000"/>
+              </a:lnSpc>
+              <a:spcBef>
+                <a:spcPts val="0"/>
+              </a:spcBef>
+              <a:spcAft>
+                <a:spcPts val="0"/>
+              </a:spcAft>
+              <a:buClr>
+                <a:srgbClr val="FFFFFF"/>
+              </a:buClr>
+              <a:buSzPts val="2400"/>
+            </a:pPr>
+            <a:endParaRPr lang="en-US" sz="2400" dirty="0">
+              <a:solidFill>
+                <a:srgbClr val="FFFFFF"/>
+              </a:solidFill>
+            </a:endParaRPr>
           </a:p>
           <a:p>
             <a:pPr marL="457200" marR="0" lvl="0" indent="-381000" algn="l" rtl="0">
@@ -9070,7 +8532,7 @@
                                         <p:tgtEl>
                                           <p:spTgt spid="62">
                                             <p:txEl>
-                                              <p:pRg st="4" end="4"/>
+                                              <p:pRg st="6" end="6"/>
                                             </p:txEl>
                                           </p:spTgt>
                                         </p:tgtEl>
@@ -9088,7 +8550,7 @@
                                         <p:tgtEl>
                                           <p:spTgt spid="62">
                                             <p:txEl>
-                                              <p:pRg st="4" end="4"/>
+                                              <p:pRg st="6" end="6"/>
                                             </p:txEl>
                                           </p:spTgt>
                                         </p:tgtEl>
@@ -9131,7 +8593,7 @@
                                         <p:tgtEl>
                                           <p:spTgt spid="62">
                                             <p:txEl>
-                                              <p:pRg st="5" end="5"/>
+                                              <p:pRg st="7" end="7"/>
                                             </p:txEl>
                                           </p:spTgt>
                                         </p:tgtEl>
@@ -9149,7 +8611,7 @@
                                         <p:tgtEl>
                                           <p:spTgt spid="62">
                                             <p:txEl>
-                                              <p:pRg st="5" end="5"/>
+                                              <p:pRg st="7" end="7"/>
                                             </p:txEl>
                                           </p:spTgt>
                                         </p:tgtEl>
@@ -9256,7 +8718,7 @@
         </p:nvSpPr>
         <p:spPr>
           <a:xfrm>
-            <a:off x="418050" y="658225"/>
+            <a:off x="418050" y="668858"/>
             <a:ext cx="8619300" cy="4349700"/>
           </a:xfrm>
           <a:prstGeom prst="rect">
@@ -9315,7 +8777,7 @@
               </a:buClr>
               <a:buSzPts val="2400"/>
             </a:pPr>
-            <a:endParaRPr lang="en-US" sz="2400" dirty="0">
+            <a:endParaRPr lang="en-US" sz="900" dirty="0">
               <a:solidFill>
                 <a:srgbClr val="FFFFFF"/>
               </a:solidFill>
@@ -9345,32 +8807,8 @@
                   <a:srgbClr val="FFFFFF"/>
                 </a:solidFill>
               </a:rPr>
-              <a:t>User Signup is due 4/10</a:t>
+              <a:t>User Signup is due 4/10 </a:t>
             </a:r>
-          </a:p>
-          <a:p>
-            <a:pPr marL="457200" marR="0" lvl="0" indent="-381000" algn="l" rtl="0">
-              <a:lnSpc>
-                <a:spcPct val="115000"/>
-              </a:lnSpc>
-              <a:spcBef>
-                <a:spcPts val="0"/>
-              </a:spcBef>
-              <a:spcAft>
-                <a:spcPts val="0"/>
-              </a:spcAft>
-              <a:buClr>
-                <a:srgbClr val="FFFFFF"/>
-              </a:buClr>
-              <a:buSzPts val="2400"/>
-              <a:buFont typeface="Arial"/>
-              <a:buChar char="●"/>
-            </a:pPr>
-            <a:endParaRPr lang="en-US" sz="2400" dirty="0">
-              <a:solidFill>
-                <a:srgbClr val="FFFFFF"/>
-              </a:solidFill>
-            </a:endParaRPr>
           </a:p>
           <a:p>
             <a:pPr marL="76200" marR="0" lvl="0" algn="l" rtl="0">
@@ -9388,7 +8826,7 @@
               </a:buClr>
               <a:buSzPts val="2400"/>
             </a:pPr>
-            <a:endParaRPr lang="en-US" sz="2400" dirty="0">
+            <a:endParaRPr lang="en-US" sz="900" dirty="0">
               <a:solidFill>
                 <a:srgbClr val="FFFFFF"/>
               </a:solidFill>
@@ -9418,11 +8856,11 @@
                   <a:srgbClr val="FFFFFF"/>
                 </a:solidFill>
               </a:rPr>
-              <a:t>Baseball! (4/10 and 4/24)</a:t>
+              <a:t>Also, catch up ASAP on missing assignments</a:t>
             </a:r>
           </a:p>
           <a:p>
-            <a:pPr marL="457200" marR="0" lvl="0" indent="-381000" algn="l" rtl="0">
+            <a:pPr marL="76200" marR="0" lvl="0" algn="l" rtl="0">
               <a:lnSpc>
                 <a:spcPct val="115000"/>
               </a:lnSpc>
@@ -9436,10 +8874,118 @@
                 <a:srgbClr val="FFFFFF"/>
               </a:buClr>
               <a:buSzPts val="2400"/>
-              <a:buFont typeface="Arial"/>
-              <a:buChar char="●"/>
             </a:pPr>
-            <a:endParaRPr lang="en-US" sz="2400" dirty="0">
+            <a:endParaRPr lang="en-US" sz="900" dirty="0">
+              <a:solidFill>
+                <a:srgbClr val="FFFFFF"/>
+              </a:solidFill>
+            </a:endParaRPr>
+          </a:p>
+          <a:p>
+            <a:pPr marL="76200" marR="0" lvl="0" algn="l" rtl="0">
+              <a:lnSpc>
+                <a:spcPct val="115000"/>
+              </a:lnSpc>
+              <a:spcBef>
+                <a:spcPts val="0"/>
+              </a:spcBef>
+              <a:spcAft>
+                <a:spcPts val="0"/>
+              </a:spcAft>
+              <a:buClr>
+                <a:srgbClr val="FFFFFF"/>
+              </a:buClr>
+              <a:buSzPts val="2400"/>
+            </a:pPr>
+            <a:endParaRPr lang="en-US" sz="900" dirty="0">
+              <a:solidFill>
+                <a:srgbClr val="FFFFFF"/>
+              </a:solidFill>
+            </a:endParaRPr>
+          </a:p>
+          <a:p>
+            <a:pPr marL="76200" marR="0" lvl="0" algn="l" rtl="0">
+              <a:lnSpc>
+                <a:spcPct val="115000"/>
+              </a:lnSpc>
+              <a:spcBef>
+                <a:spcPts val="0"/>
+              </a:spcBef>
+              <a:spcAft>
+                <a:spcPts val="0"/>
+              </a:spcAft>
+              <a:buClr>
+                <a:srgbClr val="FFFFFF"/>
+              </a:buClr>
+              <a:buSzPts val="2400"/>
+            </a:pPr>
+            <a:endParaRPr lang="en-US" sz="900" dirty="0">
+              <a:solidFill>
+                <a:srgbClr val="FFFFFF"/>
+              </a:solidFill>
+            </a:endParaRPr>
+          </a:p>
+          <a:p>
+            <a:pPr marL="76200" marR="0" lvl="0" algn="l" rtl="0">
+              <a:lnSpc>
+                <a:spcPct val="115000"/>
+              </a:lnSpc>
+              <a:spcBef>
+                <a:spcPts val="0"/>
+              </a:spcBef>
+              <a:spcAft>
+                <a:spcPts val="0"/>
+              </a:spcAft>
+              <a:buClr>
+                <a:srgbClr val="FFFFFF"/>
+              </a:buClr>
+              <a:buSzPts val="2400"/>
+            </a:pPr>
+            <a:endParaRPr lang="en-US" sz="900" dirty="0">
+              <a:solidFill>
+                <a:srgbClr val="FFFFFF"/>
+              </a:solidFill>
+            </a:endParaRPr>
+          </a:p>
+          <a:p>
+            <a:pPr marL="76200" marR="0" lvl="0" algn="l" rtl="0">
+              <a:lnSpc>
+                <a:spcPct val="115000"/>
+              </a:lnSpc>
+              <a:spcBef>
+                <a:spcPts val="0"/>
+              </a:spcBef>
+              <a:spcAft>
+                <a:spcPts val="0"/>
+              </a:spcAft>
+              <a:buClr>
+                <a:srgbClr val="FFFFFF"/>
+              </a:buClr>
+              <a:buSzPts val="2400"/>
+            </a:pPr>
+            <a:endParaRPr lang="en-US" sz="900" dirty="0">
+              <a:solidFill>
+                <a:srgbClr val="FFFFFF"/>
+              </a:solidFill>
+            </a:endParaRPr>
+          </a:p>
+          <a:p>
+            <a:pPr marL="76200" marR="0" lvl="0" algn="l" rtl="0">
+              <a:lnSpc>
+                <a:spcPct val="115000"/>
+              </a:lnSpc>
+              <a:spcBef>
+                <a:spcPts val="0"/>
+              </a:spcBef>
+              <a:spcAft>
+                <a:spcPts val="0"/>
+              </a:spcAft>
+              <a:buClr>
+                <a:srgbClr val="FFFFFF"/>
+              </a:buClr>
+              <a:buSzPts val="2400"/>
+            </a:pPr>
+            <a:endParaRPr lang="en-US" sz="900" dirty="0">
               <a:solidFill>
                 <a:srgbClr val="FFFFFF"/>
               </a:solidFill>
@@ -9469,7 +9015,7 @@
                   <a:srgbClr val="FFFFFF"/>
                 </a:solidFill>
               </a:rPr>
-              <a:t>Hockey Maybe?</a:t>
+              <a:t>Baseball (and Hockey?) (4/10 and 4/24)</a:t>
             </a:r>
           </a:p>
           <a:p>
@@ -9490,11 +9036,38 @@
               <a:buFont typeface="Arial"/>
               <a:buChar char="●"/>
             </a:pPr>
-            <a:endParaRPr lang="en-US" sz="2400" dirty="0">
+            <a:endParaRPr lang="en-US" sz="900" dirty="0">
               <a:solidFill>
                 <a:srgbClr val="FFFFFF"/>
               </a:solidFill>
             </a:endParaRPr>
+          </a:p>
+          <a:p>
+            <a:pPr marL="457200" marR="0" lvl="0" indent="-381000" algn="l" rtl="0">
+              <a:lnSpc>
+                <a:spcPct val="115000"/>
+              </a:lnSpc>
+              <a:spcBef>
+                <a:spcPts val="0"/>
+              </a:spcBef>
+              <a:spcAft>
+                <a:spcPts val="0"/>
+              </a:spcAft>
+              <a:buClr>
+                <a:srgbClr val="FFFFFF"/>
+              </a:buClr>
+              <a:buSzPts val="2400"/>
+              <a:buFont typeface="Arial"/>
+              <a:buChar char="●"/>
+            </a:pPr>
+            <a:r>
+              <a:rPr lang="en-US" sz="2400" dirty="0">
+                <a:solidFill>
+                  <a:srgbClr val="FFFFFF"/>
+                </a:solidFill>
+              </a:rPr>
+              <a:t>We are halfway through after today! Yay!!!</a:t>
+            </a:r>
           </a:p>
           <a:p>
             <a:pPr marL="0" lvl="0" indent="0" rtl="0">
@@ -9739,7 +9312,7 @@
                                         <p:tgtEl>
                                           <p:spTgt spid="62">
                                             <p:txEl>
-                                              <p:pRg st="5" end="5"/>
+                                              <p:pRg st="4" end="4"/>
                                             </p:txEl>
                                           </p:spTgt>
                                         </p:tgtEl>
@@ -9757,7 +9330,7 @@
                                         <p:tgtEl>
                                           <p:spTgt spid="62">
                                             <p:txEl>
-                                              <p:pRg st="5" end="5"/>
+                                              <p:pRg st="4" end="4"/>
                                             </p:txEl>
                                           </p:spTgt>
                                         </p:tgtEl>
@@ -9800,7 +9373,7 @@
                                         <p:tgtEl>
                                           <p:spTgt spid="62">
                                             <p:txEl>
-                                              <p:pRg st="7" end="7"/>
+                                              <p:pRg st="11" end="11"/>
                                             </p:txEl>
                                           </p:spTgt>
                                         </p:tgtEl>
@@ -9818,7 +9391,68 @@
                                         <p:tgtEl>
                                           <p:spTgt spid="62">
                                             <p:txEl>
-                                              <p:pRg st="7" end="7"/>
+                                              <p:pRg st="11" end="11"/>
+                                            </p:txEl>
+                                          </p:spTgt>
+                                        </p:tgtEl>
+                                      </p:cBhvr>
+                                    </p:animEffect>
+                                  </p:childTnLst>
+                                </p:cTn>
+                              </p:par>
+                            </p:childTnLst>
+                          </p:cTn>
+                        </p:par>
+                      </p:childTnLst>
+                    </p:cTn>
+                  </p:par>
+                  <p:par>
+                    <p:cTn id="23" fill="hold">
+                      <p:stCondLst>
+                        <p:cond delay="indefinite"/>
+                      </p:stCondLst>
+                      <p:childTnLst>
+                        <p:par>
+                          <p:cTn id="24" fill="hold">
+                            <p:stCondLst>
+                              <p:cond delay="0"/>
+                            </p:stCondLst>
+                            <p:childTnLst>
+                              <p:par>
+                                <p:cTn id="25" presetID="10" presetClass="entr" presetSubtype="0" fill="hold" nodeType="clickEffect">
+                                  <p:stCondLst>
+                                    <p:cond delay="0"/>
+                                  </p:stCondLst>
+                                  <p:childTnLst>
+                                    <p:set>
+                                      <p:cBhvr>
+                                        <p:cTn id="26" dur="1" fill="hold">
+                                          <p:stCondLst>
+                                            <p:cond delay="0"/>
+                                          </p:stCondLst>
+                                        </p:cTn>
+                                        <p:tgtEl>
+                                          <p:spTgt spid="62">
+                                            <p:txEl>
+                                              <p:pRg st="13" end="13"/>
+                                            </p:txEl>
+                                          </p:spTgt>
+                                        </p:tgtEl>
+                                        <p:attrNameLst>
+                                          <p:attrName>style.visibility</p:attrName>
+                                        </p:attrNameLst>
+                                      </p:cBhvr>
+                                      <p:to>
+                                        <p:strVal val="visible"/>
+                                      </p:to>
+                                    </p:set>
+                                    <p:animEffect transition="in" filter="fade">
+                                      <p:cBhvr>
+                                        <p:cTn id="27" dur="1000"/>
+                                        <p:tgtEl>
+                                          <p:spTgt spid="62">
+                                            <p:txEl>
+                                              <p:pRg st="13" end="13"/>
                                             </p:txEl>
                                           </p:spTgt>
                                         </p:tgtEl>
@@ -10088,630 +9722,6 @@
   <p:cSld>
     <p:spTree>
       <p:nvGrpSpPr>
-        <p:cNvPr id="1" name="Shape 60"/>
-        <p:cNvGrpSpPr/>
-        <p:nvPr/>
-      </p:nvGrpSpPr>
-      <p:grpSpPr>
-        <a:xfrm>
-          <a:off x="0" y="0"/>
-          <a:ext cx="0" cy="0"/>
-          <a:chOff x="0" y="0"/>
-          <a:chExt cx="0" cy="0"/>
-        </a:xfrm>
-      </p:grpSpPr>
-      <p:sp>
-        <p:nvSpPr>
-          <p:cNvPr id="61" name="Shape 61"/>
-          <p:cNvSpPr txBox="1">
-            <a:spLocks noGrp="1"/>
-          </p:cNvSpPr>
-          <p:nvPr>
-            <p:ph type="title"/>
-          </p:nvPr>
-        </p:nvSpPr>
-        <p:spPr>
-          <a:xfrm>
-            <a:off x="62275" y="-124550"/>
-            <a:ext cx="8769900" cy="524700"/>
-          </a:xfrm>
-          <a:prstGeom prst="rect">
-            <a:avLst/>
-          </a:prstGeom>
-        </p:spPr>
-        <p:txBody>
-          <a:bodyPr spcFirstLastPara="1" wrap="square" lIns="91425" tIns="91425" rIns="91425" bIns="91425" anchor="t" anchorCtr="0">
-            <a:noAutofit/>
-          </a:bodyPr>
-          <a:lstStyle/>
-          <a:p>
-            <a:pPr marL="0" lvl="0" indent="0" rtl="0">
-              <a:spcBef>
-                <a:spcPts val="0"/>
-              </a:spcBef>
-              <a:spcAft>
-                <a:spcPts val="0"/>
-              </a:spcAft>
-              <a:buNone/>
-            </a:pPr>
-            <a:r>
-              <a:rPr lang="en" sz="4000"/>
-              <a:t>Assignment</a:t>
-            </a:r>
-            <a:endParaRPr sz="4000"/>
-          </a:p>
-        </p:txBody>
-      </p:sp>
-      <p:sp>
-        <p:nvSpPr>
-          <p:cNvPr id="62" name="Shape 62"/>
-          <p:cNvSpPr txBox="1"/>
-          <p:nvPr/>
-        </p:nvSpPr>
-        <p:spPr>
-          <a:xfrm>
-            <a:off x="418050" y="658225"/>
-            <a:ext cx="8619300" cy="4349700"/>
-          </a:xfrm>
-          <a:prstGeom prst="rect">
-            <a:avLst/>
-          </a:prstGeom>
-          <a:noFill/>
-          <a:ln>
-            <a:noFill/>
-          </a:ln>
-        </p:spPr>
-        <p:txBody>
-          <a:bodyPr spcFirstLastPara="1" wrap="square" lIns="91425" tIns="91425" rIns="91425" bIns="91425" anchor="t" anchorCtr="0">
-            <a:noAutofit/>
-          </a:bodyPr>
-          <a:lstStyle/>
-          <a:p>
-            <a:pPr marL="457200" marR="0" lvl="0" indent="-381000" algn="l" rtl="0">
-              <a:lnSpc>
-                <a:spcPct val="115000"/>
-              </a:lnSpc>
-              <a:spcBef>
-                <a:spcPts val="0"/>
-              </a:spcBef>
-              <a:spcAft>
-                <a:spcPts val="0"/>
-              </a:spcAft>
-              <a:buClr>
-                <a:srgbClr val="FFFFFF"/>
-              </a:buClr>
-              <a:buSzPts val="2400"/>
-              <a:buChar char="●"/>
-            </a:pPr>
-            <a:r>
-              <a:rPr lang="en" sz="2400">
-                <a:solidFill>
-                  <a:srgbClr val="FFFFFF"/>
-                </a:solidFill>
-              </a:rPr>
-              <a:t>What is your current assignment?</a:t>
-            </a:r>
-            <a:endParaRPr sz="2400">
-              <a:solidFill>
-                <a:srgbClr val="FFFFFF"/>
-              </a:solidFill>
-            </a:endParaRPr>
-          </a:p>
-          <a:p>
-            <a:pPr marL="457200" marR="0" lvl="0" indent="-381000" algn="l" rtl="0">
-              <a:lnSpc>
-                <a:spcPct val="115000"/>
-              </a:lnSpc>
-              <a:spcBef>
-                <a:spcPts val="0"/>
-              </a:spcBef>
-              <a:spcAft>
-                <a:spcPts val="0"/>
-              </a:spcAft>
-              <a:buClr>
-                <a:srgbClr val="FFFFFF"/>
-              </a:buClr>
-              <a:buSzPts val="2400"/>
-              <a:buChar char="●"/>
-            </a:pPr>
-            <a:r>
-              <a:rPr lang="en" sz="2400">
-                <a:solidFill>
-                  <a:srgbClr val="FFFFFF"/>
-                </a:solidFill>
-              </a:rPr>
-              <a:t>When is it due?</a:t>
-            </a:r>
-            <a:endParaRPr sz="2400">
-              <a:solidFill>
-                <a:srgbClr val="FFFFFF"/>
-              </a:solidFill>
-            </a:endParaRPr>
-          </a:p>
-          <a:p>
-            <a:pPr marL="0" lvl="0" indent="0" rtl="0">
-              <a:lnSpc>
-                <a:spcPct val="115000"/>
-              </a:lnSpc>
-              <a:spcBef>
-                <a:spcPts val="0"/>
-              </a:spcBef>
-              <a:spcAft>
-                <a:spcPts val="0"/>
-              </a:spcAft>
-              <a:buNone/>
-            </a:pPr>
-            <a:endParaRPr sz="2200">
-              <a:solidFill>
-                <a:srgbClr val="FFFFFF"/>
-              </a:solidFill>
-            </a:endParaRPr>
-          </a:p>
-          <a:p>
-            <a:pPr marL="0" lvl="0" indent="0" rtl="0">
-              <a:lnSpc>
-                <a:spcPct val="115000"/>
-              </a:lnSpc>
-              <a:spcBef>
-                <a:spcPts val="0"/>
-              </a:spcBef>
-              <a:spcAft>
-                <a:spcPts val="0"/>
-              </a:spcAft>
-              <a:buNone/>
-            </a:pPr>
-            <a:endParaRPr sz="2200">
-              <a:solidFill>
-                <a:srgbClr val="FFFFFF"/>
-              </a:solidFill>
-            </a:endParaRPr>
-          </a:p>
-          <a:p>
-            <a:pPr marL="0" marR="0" lvl="0" indent="0" algn="l" rtl="0">
-              <a:lnSpc>
-                <a:spcPct val="100000"/>
-              </a:lnSpc>
-              <a:spcBef>
-                <a:spcPts val="0"/>
-              </a:spcBef>
-              <a:spcAft>
-                <a:spcPts val="0"/>
-              </a:spcAft>
-              <a:buNone/>
-            </a:pPr>
-            <a:endParaRPr sz="2400">
-              <a:solidFill>
-                <a:srgbClr val="FFFFFF"/>
-              </a:solidFill>
-            </a:endParaRPr>
-          </a:p>
-          <a:p>
-            <a:pPr marL="0" lvl="0" indent="0" rtl="0">
-              <a:spcBef>
-                <a:spcPts val="0"/>
-              </a:spcBef>
-              <a:spcAft>
-                <a:spcPts val="0"/>
-              </a:spcAft>
-              <a:buNone/>
-            </a:pPr>
-            <a:endParaRPr sz="2400">
-              <a:solidFill>
-                <a:srgbClr val="FFFFFF"/>
-              </a:solidFill>
-            </a:endParaRPr>
-          </a:p>
-        </p:txBody>
-      </p:sp>
-    </p:spTree>
-  </p:cSld>
-  <p:clrMapOvr>
-    <a:masterClrMapping/>
-  </p:clrMapOvr>
-  <p:timing>
-    <p:tnLst>
-      <p:par>
-        <p:cTn id="1" dur="indefinite" restart="never" nodeType="tmRoot">
-          <p:childTnLst>
-            <p:seq concurrent="1" nextAc="seek">
-              <p:cTn id="2" dur="indefinite" nodeType="mainSeq">
-                <p:childTnLst>
-                  <p:par>
-                    <p:cTn id="3" fill="hold">
-                      <p:stCondLst>
-                        <p:cond delay="indefinite"/>
-                      </p:stCondLst>
-                      <p:childTnLst>
-                        <p:par>
-                          <p:cTn id="4" fill="hold">
-                            <p:stCondLst>
-                              <p:cond delay="0"/>
-                            </p:stCondLst>
-                            <p:childTnLst>
-                              <p:par>
-                                <p:cTn id="5" presetID="10" presetClass="entr" presetSubtype="0" fill="hold" nodeType="clickEffect">
-                                  <p:stCondLst>
-                                    <p:cond delay="0"/>
-                                  </p:stCondLst>
-                                  <p:childTnLst>
-                                    <p:set>
-                                      <p:cBhvr>
-                                        <p:cTn id="6" dur="1" fill="hold">
-                                          <p:stCondLst>
-                                            <p:cond delay="0"/>
-                                          </p:stCondLst>
-                                        </p:cTn>
-                                        <p:tgtEl>
-                                          <p:spTgt spid="62">
-                                            <p:txEl>
-                                              <p:pRg st="0" end="0"/>
-                                            </p:txEl>
-                                          </p:spTgt>
-                                        </p:tgtEl>
-                                        <p:attrNameLst>
-                                          <p:attrName>style.visibility</p:attrName>
-                                        </p:attrNameLst>
-                                      </p:cBhvr>
-                                      <p:to>
-                                        <p:strVal val="visible"/>
-                                      </p:to>
-                                    </p:set>
-                                    <p:animEffect transition="in" filter="fade">
-                                      <p:cBhvr>
-                                        <p:cTn id="7" dur="1000"/>
-                                        <p:tgtEl>
-                                          <p:spTgt spid="62">
-                                            <p:txEl>
-                                              <p:pRg st="0" end="0"/>
-                                            </p:txEl>
-                                          </p:spTgt>
-                                        </p:tgtEl>
-                                      </p:cBhvr>
-                                    </p:animEffect>
-                                  </p:childTnLst>
-                                </p:cTn>
-                              </p:par>
-                            </p:childTnLst>
-                          </p:cTn>
-                        </p:par>
-                      </p:childTnLst>
-                    </p:cTn>
-                  </p:par>
-                  <p:par>
-                    <p:cTn id="8" fill="hold">
-                      <p:stCondLst>
-                        <p:cond delay="indefinite"/>
-                      </p:stCondLst>
-                      <p:childTnLst>
-                        <p:par>
-                          <p:cTn id="9" fill="hold">
-                            <p:stCondLst>
-                              <p:cond delay="0"/>
-                            </p:stCondLst>
-                            <p:childTnLst>
-                              <p:par>
-                                <p:cTn id="10" presetID="10" presetClass="entr" presetSubtype="0" fill="hold" nodeType="clickEffect">
-                                  <p:stCondLst>
-                                    <p:cond delay="0"/>
-                                  </p:stCondLst>
-                                  <p:childTnLst>
-                                    <p:set>
-                                      <p:cBhvr>
-                                        <p:cTn id="11" dur="1" fill="hold">
-                                          <p:stCondLst>
-                                            <p:cond delay="0"/>
-                                          </p:stCondLst>
-                                        </p:cTn>
-                                        <p:tgtEl>
-                                          <p:spTgt spid="62">
-                                            <p:txEl>
-                                              <p:pRg st="1" end="1"/>
-                                            </p:txEl>
-                                          </p:spTgt>
-                                        </p:tgtEl>
-                                        <p:attrNameLst>
-                                          <p:attrName>style.visibility</p:attrName>
-                                        </p:attrNameLst>
-                                      </p:cBhvr>
-                                      <p:to>
-                                        <p:strVal val="visible"/>
-                                      </p:to>
-                                    </p:set>
-                                    <p:animEffect transition="in" filter="fade">
-                                      <p:cBhvr>
-                                        <p:cTn id="12" dur="1000"/>
-                                        <p:tgtEl>
-                                          <p:spTgt spid="62">
-                                            <p:txEl>
-                                              <p:pRg st="1" end="1"/>
-                                            </p:txEl>
-                                          </p:spTgt>
-                                        </p:tgtEl>
-                                      </p:cBhvr>
-                                    </p:animEffect>
-                                  </p:childTnLst>
-                                </p:cTn>
-                              </p:par>
-                            </p:childTnLst>
-                          </p:cTn>
-                        </p:par>
-                      </p:childTnLst>
-                    </p:cTn>
-                  </p:par>
-                  <p:par>
-                    <p:cTn id="13" fill="hold">
-                      <p:stCondLst>
-                        <p:cond delay="indefinite"/>
-                      </p:stCondLst>
-                      <p:childTnLst>
-                        <p:par>
-                          <p:cTn id="14" fill="hold">
-                            <p:stCondLst>
-                              <p:cond delay="0"/>
-                            </p:stCondLst>
-                            <p:childTnLst>
-                              <p:par>
-                                <p:cTn id="15" presetID="10" presetClass="entr" presetSubtype="0" fill="hold" nodeType="clickEffect">
-                                  <p:stCondLst>
-                                    <p:cond delay="0"/>
-                                  </p:stCondLst>
-                                  <p:childTnLst>
-                                    <p:set>
-                                      <p:cBhvr>
-                                        <p:cTn id="16" dur="1" fill="hold">
-                                          <p:stCondLst>
-                                            <p:cond delay="0"/>
-                                          </p:stCondLst>
-                                        </p:cTn>
-                                        <p:tgtEl>
-                                          <p:spTgt spid="62">
-                                            <p:txEl>
-                                              <p:pRg st="2" end="2"/>
-                                            </p:txEl>
-                                          </p:spTgt>
-                                        </p:tgtEl>
-                                        <p:attrNameLst>
-                                          <p:attrName>style.visibility</p:attrName>
-                                        </p:attrNameLst>
-                                      </p:cBhvr>
-                                      <p:to>
-                                        <p:strVal val="visible"/>
-                                      </p:to>
-                                    </p:set>
-                                    <p:animEffect transition="in" filter="fade">
-                                      <p:cBhvr>
-                                        <p:cTn id="17" dur="1000"/>
-                                        <p:tgtEl>
-                                          <p:spTgt spid="62">
-                                            <p:txEl>
-                                              <p:pRg st="2" end="2"/>
-                                            </p:txEl>
-                                          </p:spTgt>
-                                        </p:tgtEl>
-                                      </p:cBhvr>
-                                    </p:animEffect>
-                                  </p:childTnLst>
-                                </p:cTn>
-                              </p:par>
-                            </p:childTnLst>
-                          </p:cTn>
-                        </p:par>
-                      </p:childTnLst>
-                    </p:cTn>
-                  </p:par>
-                  <p:par>
-                    <p:cTn id="18" fill="hold">
-                      <p:stCondLst>
-                        <p:cond delay="indefinite"/>
-                      </p:stCondLst>
-                      <p:childTnLst>
-                        <p:par>
-                          <p:cTn id="19" fill="hold">
-                            <p:stCondLst>
-                              <p:cond delay="0"/>
-                            </p:stCondLst>
-                            <p:childTnLst>
-                              <p:par>
-                                <p:cTn id="20" presetID="10" presetClass="entr" presetSubtype="0" fill="hold" nodeType="clickEffect">
-                                  <p:stCondLst>
-                                    <p:cond delay="0"/>
-                                  </p:stCondLst>
-                                  <p:childTnLst>
-                                    <p:set>
-                                      <p:cBhvr>
-                                        <p:cTn id="21" dur="1" fill="hold">
-                                          <p:stCondLst>
-                                            <p:cond delay="0"/>
-                                          </p:stCondLst>
-                                        </p:cTn>
-                                        <p:tgtEl>
-                                          <p:spTgt spid="62">
-                                            <p:txEl>
-                                              <p:pRg st="3" end="3"/>
-                                            </p:txEl>
-                                          </p:spTgt>
-                                        </p:tgtEl>
-                                        <p:attrNameLst>
-                                          <p:attrName>style.visibility</p:attrName>
-                                        </p:attrNameLst>
-                                      </p:cBhvr>
-                                      <p:to>
-                                        <p:strVal val="visible"/>
-                                      </p:to>
-                                    </p:set>
-                                    <p:animEffect transition="in" filter="fade">
-                                      <p:cBhvr>
-                                        <p:cTn id="22" dur="1000"/>
-                                        <p:tgtEl>
-                                          <p:spTgt spid="62">
-                                            <p:txEl>
-                                              <p:pRg st="3" end="3"/>
-                                            </p:txEl>
-                                          </p:spTgt>
-                                        </p:tgtEl>
-                                      </p:cBhvr>
-                                    </p:animEffect>
-                                  </p:childTnLst>
-                                </p:cTn>
-                              </p:par>
-                            </p:childTnLst>
-                          </p:cTn>
-                        </p:par>
-                      </p:childTnLst>
-                    </p:cTn>
-                  </p:par>
-                  <p:par>
-                    <p:cTn id="23" fill="hold">
-                      <p:stCondLst>
-                        <p:cond delay="indefinite"/>
-                      </p:stCondLst>
-                      <p:childTnLst>
-                        <p:par>
-                          <p:cTn id="24" fill="hold">
-                            <p:stCondLst>
-                              <p:cond delay="0"/>
-                            </p:stCondLst>
-                            <p:childTnLst>
-                              <p:par>
-                                <p:cTn id="25" presetID="10" presetClass="entr" presetSubtype="0" fill="hold" nodeType="clickEffect">
-                                  <p:stCondLst>
-                                    <p:cond delay="0"/>
-                                  </p:stCondLst>
-                                  <p:childTnLst>
-                                    <p:set>
-                                      <p:cBhvr>
-                                        <p:cTn id="26" dur="1" fill="hold">
-                                          <p:stCondLst>
-                                            <p:cond delay="0"/>
-                                          </p:stCondLst>
-                                        </p:cTn>
-                                        <p:tgtEl>
-                                          <p:spTgt spid="62">
-                                            <p:txEl>
-                                              <p:pRg st="4" end="4"/>
-                                            </p:txEl>
-                                          </p:spTgt>
-                                        </p:tgtEl>
-                                        <p:attrNameLst>
-                                          <p:attrName>style.visibility</p:attrName>
-                                        </p:attrNameLst>
-                                      </p:cBhvr>
-                                      <p:to>
-                                        <p:strVal val="visible"/>
-                                      </p:to>
-                                    </p:set>
-                                    <p:animEffect transition="in" filter="fade">
-                                      <p:cBhvr>
-                                        <p:cTn id="27" dur="1000"/>
-                                        <p:tgtEl>
-                                          <p:spTgt spid="62">
-                                            <p:txEl>
-                                              <p:pRg st="4" end="4"/>
-                                            </p:txEl>
-                                          </p:spTgt>
-                                        </p:tgtEl>
-                                      </p:cBhvr>
-                                    </p:animEffect>
-                                  </p:childTnLst>
-                                </p:cTn>
-                              </p:par>
-                            </p:childTnLst>
-                          </p:cTn>
-                        </p:par>
-                      </p:childTnLst>
-                    </p:cTn>
-                  </p:par>
-                  <p:par>
-                    <p:cTn id="28" fill="hold">
-                      <p:stCondLst>
-                        <p:cond delay="indefinite"/>
-                      </p:stCondLst>
-                      <p:childTnLst>
-                        <p:par>
-                          <p:cTn id="29" fill="hold">
-                            <p:stCondLst>
-                              <p:cond delay="0"/>
-                            </p:stCondLst>
-                            <p:childTnLst>
-                              <p:par>
-                                <p:cTn id="30" presetID="10" presetClass="entr" presetSubtype="0" fill="hold" nodeType="clickEffect">
-                                  <p:stCondLst>
-                                    <p:cond delay="0"/>
-                                  </p:stCondLst>
-                                  <p:childTnLst>
-                                    <p:set>
-                                      <p:cBhvr>
-                                        <p:cTn id="31" dur="1" fill="hold">
-                                          <p:stCondLst>
-                                            <p:cond delay="0"/>
-                                          </p:stCondLst>
-                                        </p:cTn>
-                                        <p:tgtEl>
-                                          <p:spTgt spid="62">
-                                            <p:txEl>
-                                              <p:pRg st="5" end="5"/>
-                                            </p:txEl>
-                                          </p:spTgt>
-                                        </p:tgtEl>
-                                        <p:attrNameLst>
-                                          <p:attrName>style.visibility</p:attrName>
-                                        </p:attrNameLst>
-                                      </p:cBhvr>
-                                      <p:to>
-                                        <p:strVal val="visible"/>
-                                      </p:to>
-                                    </p:set>
-                                    <p:animEffect transition="in" filter="fade">
-                                      <p:cBhvr>
-                                        <p:cTn id="32" dur="1000"/>
-                                        <p:tgtEl>
-                                          <p:spTgt spid="62">
-                                            <p:txEl>
-                                              <p:pRg st="5" end="5"/>
-                                            </p:txEl>
-                                          </p:spTgt>
-                                        </p:tgtEl>
-                                      </p:cBhvr>
-                                    </p:animEffect>
-                                  </p:childTnLst>
-                                </p:cTn>
-                              </p:par>
-                            </p:childTnLst>
-                          </p:cTn>
-                        </p:par>
-                      </p:childTnLst>
-                    </p:cTn>
-                  </p:par>
-                </p:childTnLst>
-              </p:cTn>
-              <p:prevCondLst>
-                <p:cond evt="onPrev" delay="0">
-                  <p:tgtEl>
-                    <p:sldTgt/>
-                  </p:tgtEl>
-                </p:cond>
-              </p:prevCondLst>
-              <p:nextCondLst>
-                <p:cond evt="onNext" delay="0">
-                  <p:tgtEl>
-                    <p:sldTgt/>
-                  </p:tgtEl>
-                </p:cond>
-              </p:nextCondLst>
-            </p:seq>
-          </p:childTnLst>
-        </p:cTn>
-      </p:par>
-    </p:tnLst>
-  </p:timing>
-</p:sld>
-</file>
-
-<file path=ppt/slides/slide7.xml><?xml version="1.0" encoding="utf-8"?>
-<p:sld xmlns:a="http://schemas.openxmlformats.org/drawingml/2006/main" xmlns:r="http://schemas.openxmlformats.org/officeDocument/2006/relationships" xmlns:p="http://schemas.openxmlformats.org/presentationml/2006/main">
-  <p:cSld>
-    <p:spTree>
-      <p:nvGrpSpPr>
         <p:cNvPr id="1" name="Shape 66"/>
         <p:cNvGrpSpPr/>
         <p:nvPr/>
@@ -10922,7 +9932,7 @@
 </p:sld>
 </file>
 
-<file path=ppt/slides/slide8.xml><?xml version="1.0" encoding="utf-8"?>
+<file path=ppt/slides/slide7.xml><?xml version="1.0" encoding="utf-8"?>
 <p:sld xmlns:a="http://schemas.openxmlformats.org/drawingml/2006/main" xmlns:r="http://schemas.openxmlformats.org/officeDocument/2006/relationships" xmlns:p="http://schemas.openxmlformats.org/presentationml/2006/main">
   <p:cSld>
     <p:spTree>
@@ -11597,7 +10607,7 @@
 </p:sld>
 </file>
 
-<file path=ppt/slides/slide9.xml><?xml version="1.0" encoding="utf-8"?>
+<file path=ppt/slides/slide8.xml><?xml version="1.0" encoding="utf-8"?>
 <p:sld xmlns:a="http://schemas.openxmlformats.org/drawingml/2006/main" xmlns:r="http://schemas.openxmlformats.org/officeDocument/2006/relationships" xmlns:p="http://schemas.openxmlformats.org/presentationml/2006/main">
   <p:cSld>
     <p:spTree>
@@ -12141,6 +11151,498 @@
                                           <p:spTgt spid="86">
                                             <p:txEl>
                                               <p:pRg st="4" end="4"/>
+                                            </p:txEl>
+                                          </p:spTgt>
+                                        </p:tgtEl>
+                                      </p:cBhvr>
+                                    </p:animEffect>
+                                  </p:childTnLst>
+                                </p:cTn>
+                              </p:par>
+                            </p:childTnLst>
+                          </p:cTn>
+                        </p:par>
+                      </p:childTnLst>
+                    </p:cTn>
+                  </p:par>
+                </p:childTnLst>
+              </p:cTn>
+              <p:prevCondLst>
+                <p:cond evt="onPrev" delay="0">
+                  <p:tgtEl>
+                    <p:sldTgt/>
+                  </p:tgtEl>
+                </p:cond>
+              </p:prevCondLst>
+              <p:nextCondLst>
+                <p:cond evt="onNext" delay="0">
+                  <p:tgtEl>
+                    <p:sldTgt/>
+                  </p:tgtEl>
+                </p:cond>
+              </p:nextCondLst>
+            </p:seq>
+          </p:childTnLst>
+        </p:cTn>
+      </p:par>
+    </p:tnLst>
+  </p:timing>
+</p:sld>
+</file>
+
+<file path=ppt/slides/slide9.xml><?xml version="1.0" encoding="utf-8"?>
+<p:sld xmlns:a="http://schemas.openxmlformats.org/drawingml/2006/main" xmlns:r="http://schemas.openxmlformats.org/officeDocument/2006/relationships" xmlns:p="http://schemas.openxmlformats.org/presentationml/2006/main">
+  <p:cSld>
+    <p:spTree>
+      <p:nvGrpSpPr>
+        <p:cNvPr id="1" name="Shape 90"/>
+        <p:cNvGrpSpPr/>
+        <p:nvPr/>
+      </p:nvGrpSpPr>
+      <p:grpSpPr>
+        <a:xfrm>
+          <a:off x="0" y="0"/>
+          <a:ext cx="0" cy="0"/>
+          <a:chOff x="0" y="0"/>
+          <a:chExt cx="0" cy="0"/>
+        </a:xfrm>
+      </p:grpSpPr>
+      <p:sp>
+        <p:nvSpPr>
+          <p:cNvPr id="91" name="Shape 91"/>
+          <p:cNvSpPr txBox="1">
+            <a:spLocks noGrp="1"/>
+          </p:cNvSpPr>
+          <p:nvPr>
+            <p:ph type="title"/>
+          </p:nvPr>
+        </p:nvSpPr>
+        <p:spPr>
+          <a:xfrm>
+            <a:off x="62275" y="-124550"/>
+            <a:ext cx="8769900" cy="524700"/>
+          </a:xfrm>
+          <a:prstGeom prst="rect">
+            <a:avLst/>
+          </a:prstGeom>
+        </p:spPr>
+        <p:txBody>
+          <a:bodyPr spcFirstLastPara="1" wrap="square" lIns="91425" tIns="91425" rIns="91425" bIns="91425" anchor="t" anchorCtr="0">
+            <a:noAutofit/>
+          </a:bodyPr>
+          <a:lstStyle/>
+          <a:p>
+            <a:pPr marL="0" lvl="0" indent="0" rtl="0">
+              <a:spcBef>
+                <a:spcPts val="0"/>
+              </a:spcBef>
+              <a:spcAft>
+                <a:spcPts val="0"/>
+              </a:spcAft>
+              <a:buNone/>
+            </a:pPr>
+            <a:r>
+              <a:rPr lang="en" sz="4000"/>
+              <a:t>What is relating to each other?</a:t>
+            </a:r>
+            <a:endParaRPr sz="4000"/>
+          </a:p>
+        </p:txBody>
+      </p:sp>
+      <p:sp>
+        <p:nvSpPr>
+          <p:cNvPr id="92" name="Shape 92"/>
+          <p:cNvSpPr txBox="1"/>
+          <p:nvPr/>
+        </p:nvSpPr>
+        <p:spPr>
+          <a:xfrm>
+            <a:off x="418050" y="658225"/>
+            <a:ext cx="8619300" cy="4349700"/>
+          </a:xfrm>
+          <a:prstGeom prst="rect">
+            <a:avLst/>
+          </a:prstGeom>
+          <a:noFill/>
+          <a:ln>
+            <a:noFill/>
+          </a:ln>
+        </p:spPr>
+        <p:txBody>
+          <a:bodyPr spcFirstLastPara="1" wrap="square" lIns="91425" tIns="91425" rIns="91425" bIns="91425" anchor="t" anchorCtr="0">
+            <a:noAutofit/>
+          </a:bodyPr>
+          <a:lstStyle/>
+          <a:p>
+            <a:pPr marL="457200" marR="0" lvl="0" indent="-381000" algn="l" rtl="0">
+              <a:lnSpc>
+                <a:spcPct val="115000"/>
+              </a:lnSpc>
+              <a:spcBef>
+                <a:spcPts val="1000"/>
+              </a:spcBef>
+              <a:spcAft>
+                <a:spcPts val="0"/>
+              </a:spcAft>
+              <a:buClr>
+                <a:srgbClr val="FFFFFF"/>
+              </a:buClr>
+              <a:buSzPts val="2400"/>
+              <a:buFont typeface="Arial"/>
+              <a:buChar char="●"/>
+            </a:pPr>
+            <a:r>
+              <a:rPr lang="en" sz="2400">
+                <a:solidFill>
+                  <a:srgbClr val="FFFFFF"/>
+                </a:solidFill>
+              </a:rPr>
+              <a:t>Tables</a:t>
+            </a:r>
+            <a:endParaRPr sz="2400">
+              <a:solidFill>
+                <a:srgbClr val="FFFFFF"/>
+              </a:solidFill>
+            </a:endParaRPr>
+          </a:p>
+          <a:p>
+            <a:pPr marL="914400" marR="0" lvl="1" indent="-381000" algn="l" rtl="0">
+              <a:lnSpc>
+                <a:spcPct val="115000"/>
+              </a:lnSpc>
+              <a:spcBef>
+                <a:spcPts val="1000"/>
+              </a:spcBef>
+              <a:spcAft>
+                <a:spcPts val="0"/>
+              </a:spcAft>
+              <a:buClr>
+                <a:srgbClr val="FFFFFF"/>
+              </a:buClr>
+              <a:buSzPts val="2400"/>
+              <a:buChar char="○"/>
+            </a:pPr>
+            <a:r>
+              <a:rPr lang="en" sz="2400">
+                <a:solidFill>
+                  <a:srgbClr val="FFFFFF"/>
+                </a:solidFill>
+              </a:rPr>
+              <a:t>Have columns</a:t>
+            </a:r>
+            <a:endParaRPr sz="2400">
+              <a:solidFill>
+                <a:srgbClr val="FFFFFF"/>
+              </a:solidFill>
+            </a:endParaRPr>
+          </a:p>
+          <a:p>
+            <a:pPr marL="914400" marR="0" lvl="1" indent="-381000" algn="l" rtl="0">
+              <a:lnSpc>
+                <a:spcPct val="115000"/>
+              </a:lnSpc>
+              <a:spcBef>
+                <a:spcPts val="1000"/>
+              </a:spcBef>
+              <a:spcAft>
+                <a:spcPts val="0"/>
+              </a:spcAft>
+              <a:buClr>
+                <a:srgbClr val="FFFFFF"/>
+              </a:buClr>
+              <a:buSzPts val="2400"/>
+              <a:buChar char="○"/>
+            </a:pPr>
+            <a:r>
+              <a:rPr lang="en" sz="2400">
+                <a:solidFill>
+                  <a:srgbClr val="FFFFFF"/>
+                </a:solidFill>
+              </a:rPr>
+              <a:t>Row for each entry into the table</a:t>
+            </a:r>
+            <a:endParaRPr sz="2400">
+              <a:solidFill>
+                <a:srgbClr val="FFFFFF"/>
+              </a:solidFill>
+            </a:endParaRPr>
+          </a:p>
+          <a:p>
+            <a:pPr marL="914400" marR="0" lvl="1" indent="-381000" algn="l" rtl="0">
+              <a:lnSpc>
+                <a:spcPct val="115000"/>
+              </a:lnSpc>
+              <a:spcBef>
+                <a:spcPts val="1000"/>
+              </a:spcBef>
+              <a:spcAft>
+                <a:spcPts val="0"/>
+              </a:spcAft>
+              <a:buClr>
+                <a:srgbClr val="FFFFFF"/>
+              </a:buClr>
+              <a:buSzPts val="2400"/>
+              <a:buChar char="○"/>
+            </a:pPr>
+            <a:r>
+              <a:rPr lang="en" sz="2400">
+                <a:solidFill>
+                  <a:srgbClr val="FFFFFF"/>
+                </a:solidFill>
+              </a:rPr>
+              <a:t>Think of them as spread sheets</a:t>
+            </a:r>
+            <a:endParaRPr sz="2400">
+              <a:solidFill>
+                <a:srgbClr val="FFFFFF"/>
+              </a:solidFill>
+            </a:endParaRPr>
+          </a:p>
+        </p:txBody>
+      </p:sp>
+    </p:spTree>
+  </p:cSld>
+  <p:clrMapOvr>
+    <a:masterClrMapping/>
+  </p:clrMapOvr>
+  <p:timing>
+    <p:tnLst>
+      <p:par>
+        <p:cTn id="1" dur="indefinite" restart="never" nodeType="tmRoot">
+          <p:childTnLst>
+            <p:seq concurrent="1" nextAc="seek">
+              <p:cTn id="2" dur="indefinite" nodeType="mainSeq">
+                <p:childTnLst>
+                  <p:par>
+                    <p:cTn id="3" fill="hold">
+                      <p:stCondLst>
+                        <p:cond delay="indefinite"/>
+                      </p:stCondLst>
+                      <p:childTnLst>
+                        <p:par>
+                          <p:cTn id="4" fill="hold">
+                            <p:stCondLst>
+                              <p:cond delay="0"/>
+                            </p:stCondLst>
+                            <p:childTnLst>
+                              <p:par>
+                                <p:cTn id="5" presetID="10" presetClass="entr" presetSubtype="0" fill="hold" nodeType="clickEffect">
+                                  <p:stCondLst>
+                                    <p:cond delay="0"/>
+                                  </p:stCondLst>
+                                  <p:childTnLst>
+                                    <p:set>
+                                      <p:cBhvr>
+                                        <p:cTn id="6" dur="1" fill="hold">
+                                          <p:stCondLst>
+                                            <p:cond delay="0"/>
+                                          </p:stCondLst>
+                                        </p:cTn>
+                                        <p:tgtEl>
+                                          <p:spTgt spid="92">
+                                            <p:txEl>
+                                              <p:pRg st="0" end="0"/>
+                                            </p:txEl>
+                                          </p:spTgt>
+                                        </p:tgtEl>
+                                        <p:attrNameLst>
+                                          <p:attrName>style.visibility</p:attrName>
+                                        </p:attrNameLst>
+                                      </p:cBhvr>
+                                      <p:to>
+                                        <p:strVal val="visible"/>
+                                      </p:to>
+                                    </p:set>
+                                    <p:animEffect transition="in" filter="fade">
+                                      <p:cBhvr>
+                                        <p:cTn id="7" dur="1000"/>
+                                        <p:tgtEl>
+                                          <p:spTgt spid="92">
+                                            <p:txEl>
+                                              <p:pRg st="0" end="0"/>
+                                            </p:txEl>
+                                          </p:spTgt>
+                                        </p:tgtEl>
+                                      </p:cBhvr>
+                                    </p:animEffect>
+                                  </p:childTnLst>
+                                </p:cTn>
+                              </p:par>
+                            </p:childTnLst>
+                          </p:cTn>
+                        </p:par>
+                      </p:childTnLst>
+                    </p:cTn>
+                  </p:par>
+                  <p:par>
+                    <p:cTn id="8" fill="hold">
+                      <p:stCondLst>
+                        <p:cond delay="indefinite"/>
+                      </p:stCondLst>
+                      <p:childTnLst>
+                        <p:par>
+                          <p:cTn id="9" fill="hold">
+                            <p:stCondLst>
+                              <p:cond delay="0"/>
+                            </p:stCondLst>
+                            <p:childTnLst>
+                              <p:par>
+                                <p:cTn id="10" presetID="10" presetClass="entr" presetSubtype="0" fill="hold" nodeType="clickEffect">
+                                  <p:stCondLst>
+                                    <p:cond delay="0"/>
+                                  </p:stCondLst>
+                                  <p:childTnLst>
+                                    <p:set>
+                                      <p:cBhvr>
+                                        <p:cTn id="11" dur="1" fill="hold">
+                                          <p:stCondLst>
+                                            <p:cond delay="0"/>
+                                          </p:stCondLst>
+                                        </p:cTn>
+                                        <p:tgtEl>
+                                          <p:spTgt spid="92">
+                                            <p:txEl>
+                                              <p:pRg st="1" end="1"/>
+                                            </p:txEl>
+                                          </p:spTgt>
+                                        </p:tgtEl>
+                                        <p:attrNameLst>
+                                          <p:attrName>style.visibility</p:attrName>
+                                        </p:attrNameLst>
+                                      </p:cBhvr>
+                                      <p:to>
+                                        <p:strVal val="visible"/>
+                                      </p:to>
+                                    </p:set>
+                                    <p:animEffect transition="in" filter="fade">
+                                      <p:cBhvr>
+                                        <p:cTn id="12" dur="1000"/>
+                                        <p:tgtEl>
+                                          <p:spTgt spid="92">
+                                            <p:txEl>
+                                              <p:pRg st="1" end="1"/>
+                                            </p:txEl>
+                                          </p:spTgt>
+                                        </p:tgtEl>
+                                      </p:cBhvr>
+                                    </p:animEffect>
+                                  </p:childTnLst>
+                                </p:cTn>
+                              </p:par>
+                            </p:childTnLst>
+                          </p:cTn>
+                        </p:par>
+                      </p:childTnLst>
+                    </p:cTn>
+                  </p:par>
+                  <p:par>
+                    <p:cTn id="13" fill="hold">
+                      <p:stCondLst>
+                        <p:cond delay="indefinite"/>
+                      </p:stCondLst>
+                      <p:childTnLst>
+                        <p:par>
+                          <p:cTn id="14" fill="hold">
+                            <p:stCondLst>
+                              <p:cond delay="0"/>
+                            </p:stCondLst>
+                            <p:childTnLst>
+                              <p:par>
+                                <p:cTn id="15" presetID="10" presetClass="entr" presetSubtype="0" fill="hold" nodeType="clickEffect">
+                                  <p:stCondLst>
+                                    <p:cond delay="0"/>
+                                  </p:stCondLst>
+                                  <p:childTnLst>
+                                    <p:set>
+                                      <p:cBhvr>
+                                        <p:cTn id="16" dur="1" fill="hold">
+                                          <p:stCondLst>
+                                            <p:cond delay="0"/>
+                                          </p:stCondLst>
+                                        </p:cTn>
+                                        <p:tgtEl>
+                                          <p:spTgt spid="92">
+                                            <p:txEl>
+                                              <p:pRg st="2" end="2"/>
+                                            </p:txEl>
+                                          </p:spTgt>
+                                        </p:tgtEl>
+                                        <p:attrNameLst>
+                                          <p:attrName>style.visibility</p:attrName>
+                                        </p:attrNameLst>
+                                      </p:cBhvr>
+                                      <p:to>
+                                        <p:strVal val="visible"/>
+                                      </p:to>
+                                    </p:set>
+                                    <p:animEffect transition="in" filter="fade">
+                                      <p:cBhvr>
+                                        <p:cTn id="17" dur="1000"/>
+                                        <p:tgtEl>
+                                          <p:spTgt spid="92">
+                                            <p:txEl>
+                                              <p:pRg st="2" end="2"/>
+                                            </p:txEl>
+                                          </p:spTgt>
+                                        </p:tgtEl>
+                                      </p:cBhvr>
+                                    </p:animEffect>
+                                  </p:childTnLst>
+                                </p:cTn>
+                              </p:par>
+                            </p:childTnLst>
+                          </p:cTn>
+                        </p:par>
+                      </p:childTnLst>
+                    </p:cTn>
+                  </p:par>
+                  <p:par>
+                    <p:cTn id="18" fill="hold">
+                      <p:stCondLst>
+                        <p:cond delay="indefinite"/>
+                      </p:stCondLst>
+                      <p:childTnLst>
+                        <p:par>
+                          <p:cTn id="19" fill="hold">
+                            <p:stCondLst>
+                              <p:cond delay="0"/>
+                            </p:stCondLst>
+                            <p:childTnLst>
+                              <p:par>
+                                <p:cTn id="20" presetID="10" presetClass="entr" presetSubtype="0" fill="hold" nodeType="clickEffect">
+                                  <p:stCondLst>
+                                    <p:cond delay="0"/>
+                                  </p:stCondLst>
+                                  <p:childTnLst>
+                                    <p:set>
+                                      <p:cBhvr>
+                                        <p:cTn id="21" dur="1" fill="hold">
+                                          <p:stCondLst>
+                                            <p:cond delay="0"/>
+                                          </p:stCondLst>
+                                        </p:cTn>
+                                        <p:tgtEl>
+                                          <p:spTgt spid="92">
+                                            <p:txEl>
+                                              <p:pRg st="3" end="3"/>
+                                            </p:txEl>
+                                          </p:spTgt>
+                                        </p:tgtEl>
+                                        <p:attrNameLst>
+                                          <p:attrName>style.visibility</p:attrName>
+                                        </p:attrNameLst>
+                                      </p:cBhvr>
+                                      <p:to>
+                                        <p:strVal val="visible"/>
+                                      </p:to>
+                                    </p:set>
+                                    <p:animEffect transition="in" filter="fade">
+                                      <p:cBhvr>
+                                        <p:cTn id="22" dur="1000"/>
+                                        <p:tgtEl>
+                                          <p:spTgt spid="92">
+                                            <p:txEl>
+                                              <p:pRg st="3" end="3"/>
                                             </p:txEl>
                                           </p:spTgt>
                                         </p:tgtEl>
